--- a/docs/BuildingDAppsWithEthereum.pptx
+++ b/docs/BuildingDAppsWithEthereum.pptx
@@ -8613,8 +8613,8 @@
           </a:p>
         </p:txBody>
       </p:sp>
-      <mc:AlternateContent xmlns:mc="http://schemas.openxmlformats.org/markup-compatibility/2006">
-        <mc:Choice xmlns:a14="http://schemas.microsoft.com/office/drawing/2010/main" Requires="a14">
+      <mc:AlternateContent xmlns:mc="http://schemas.openxmlformats.org/markup-compatibility/2006" xmlns:a14="http://schemas.microsoft.com/office/drawing/2010/main">
+        <mc:Choice Requires="a14">
           <p:graphicFrame>
             <p:nvGraphicFramePr>
               <p:cNvPr id="7" name="Content Placeholder 6">
@@ -9656,7 +9656,7 @@
             </a:graphic>
           </p:graphicFrame>
         </mc:Choice>
-        <mc:Fallback>
+        <mc:Fallback xmlns="">
           <p:graphicFrame>
             <p:nvGraphicFramePr>
               <p:cNvPr id="7" name="Content Placeholder 6">
@@ -11700,7 +11700,24 @@
             </a:r>
           </a:p>
           <a:p>
-            <a:endParaRPr lang="en-US" dirty="0"/>
+            <a:r>
+              <a:rPr lang="en-US" dirty="0"/>
+              <a:t>To use MetaMask:</a:t>
+            </a:r>
+          </a:p>
+          <a:p>
+            <a:pPr lvl="1"/>
+            <a:r>
+              <a:rPr lang="en-US" dirty="0"/>
+              <a:t>Launch Google Chrome browser</a:t>
+            </a:r>
+          </a:p>
+          <a:p>
+            <a:pPr lvl="1"/>
+            <a:r>
+              <a:rPr lang="en-US" dirty="0"/>
+              <a:t>Click MetaMask icon and login</a:t>
+            </a:r>
           </a:p>
         </p:txBody>
       </p:sp>
@@ -11879,7 +11896,9 @@
         </p:nvSpPr>
         <p:spPr/>
         <p:txBody>
-          <a:bodyPr/>
+          <a:bodyPr>
+            <a:normAutofit fontScale="85000" lnSpcReduction="20000"/>
+          </a:bodyPr>
           <a:lstStyle/>
           <a:p>
             <a:r>
@@ -11888,34 +11907,89 @@
             </a:r>
           </a:p>
           <a:p>
+            <a:pPr lvl="1"/>
+            <a:r>
+              <a:rPr lang="en-US" dirty="0"/>
+              <a:t>The main real public Ethereum blockchain.</a:t>
+            </a:r>
+          </a:p>
+          <a:p>
             <a:r>
               <a:rPr lang="en-US" dirty="0"/>
               <a:t>Ropsten Test Network.</a:t>
             </a:r>
           </a:p>
           <a:p>
+            <a:pPr lvl="1"/>
+            <a:r>
+              <a:rPr lang="en-US" dirty="0"/>
+              <a:t>Ethereum public test blockchain.</a:t>
+            </a:r>
+          </a:p>
+          <a:p>
             <a:r>
               <a:rPr lang="en-US" dirty="0"/>
               <a:t>Kovan Test Network. Supported by Parity only.</a:t>
             </a:r>
           </a:p>
           <a:p>
+            <a:pPr lvl="1"/>
+            <a:r>
+              <a:rPr lang="en-US" dirty="0"/>
+              <a:t>Ethereum public test blockchain: using the Aura consensus protocol with proof-of-authority (federated signing). It is supported by Parity only.</a:t>
+            </a:r>
+          </a:p>
+          <a:p>
             <a:r>
               <a:rPr lang="en-US" dirty="0"/>
               <a:t>Rinkeby Test Network.</a:t>
             </a:r>
           </a:p>
           <a:p>
+            <a:pPr lvl="1"/>
+            <a:r>
+              <a:rPr lang="en-US" dirty="0"/>
+              <a:t>Ethereum public test blockchain: using the Clique consensus protocol with proof-of-authority (federated signing).</a:t>
+            </a:r>
+          </a:p>
+          <a:p>
             <a:r>
               <a:rPr lang="en-US" dirty="0"/>
               <a:t>Localhost 8545.</a:t>
             </a:r>
           </a:p>
           <a:p>
+            <a:pPr lvl="1"/>
+            <a:r>
+              <a:rPr lang="en-US" dirty="0"/>
+              <a:t>Local test Ethereum test blockchain.</a:t>
+            </a:r>
+          </a:p>
+          <a:p>
             <a:r>
               <a:rPr lang="en-US" dirty="0"/>
               <a:t>Custom RPC.</a:t>
             </a:r>
+          </a:p>
+          <a:p>
+            <a:pPr lvl="1"/>
+            <a:r>
+              <a:rPr lang="en-US" dirty="0"/>
+              <a:t>Allow you to connect MetaMask to any node with a </a:t>
+            </a:r>
+            <a:r>
+              <a:rPr lang="en-US" dirty="0" err="1"/>
+              <a:t>Geth</a:t>
+            </a:r>
+            <a:r>
+              <a:rPr lang="en-US" dirty="0"/>
+              <a:t>-compatible Remote Procedure Call (RPC</a:t>
+            </a:r>
+            <a:r>
+              <a:rPr lang="en-US"/>
+              <a:t>) interface.</a:t>
+            </a:r>
+            <a:endParaRPr lang="en-US" dirty="0"/>
           </a:p>
           <a:p>
             <a:endParaRPr lang="en-US" dirty="0"/>
